--- a/presentation.pptx
+++ b/presentation.pptx
@@ -269,7 +269,7 @@
           <a:p>
             <a:fld id="{D4F8CDDA-76F5-4404-BBAB-6DC121586F2B}" type="datetimeFigureOut">
               <a:rPr lang="en-US" smtClean="0"/>
-              <a:t>3/14/2025</a:t>
+              <a:t>3/16/2025</a:t>
             </a:fld>
             <a:endParaRPr lang="en-US"/>
           </a:p>
@@ -467,7 +467,7 @@
           <a:p>
             <a:fld id="{D4F8CDDA-76F5-4404-BBAB-6DC121586F2B}" type="datetimeFigureOut">
               <a:rPr lang="en-US" smtClean="0"/>
-              <a:t>3/14/2025</a:t>
+              <a:t>3/16/2025</a:t>
             </a:fld>
             <a:endParaRPr lang="en-US"/>
           </a:p>
@@ -675,7 +675,7 @@
           <a:p>
             <a:fld id="{D4F8CDDA-76F5-4404-BBAB-6DC121586F2B}" type="datetimeFigureOut">
               <a:rPr lang="en-US" smtClean="0"/>
-              <a:t>3/14/2025</a:t>
+              <a:t>3/16/2025</a:t>
             </a:fld>
             <a:endParaRPr lang="en-US"/>
           </a:p>
@@ -873,7 +873,7 @@
           <a:p>
             <a:fld id="{D4F8CDDA-76F5-4404-BBAB-6DC121586F2B}" type="datetimeFigureOut">
               <a:rPr lang="en-US" smtClean="0"/>
-              <a:t>3/14/2025</a:t>
+              <a:t>3/16/2025</a:t>
             </a:fld>
             <a:endParaRPr lang="en-US"/>
           </a:p>
@@ -1148,7 +1148,7 @@
           <a:p>
             <a:fld id="{D4F8CDDA-76F5-4404-BBAB-6DC121586F2B}" type="datetimeFigureOut">
               <a:rPr lang="en-US" smtClean="0"/>
-              <a:t>3/14/2025</a:t>
+              <a:t>3/16/2025</a:t>
             </a:fld>
             <a:endParaRPr lang="en-US"/>
           </a:p>
@@ -1413,7 +1413,7 @@
           <a:p>
             <a:fld id="{D4F8CDDA-76F5-4404-BBAB-6DC121586F2B}" type="datetimeFigureOut">
               <a:rPr lang="en-US" smtClean="0"/>
-              <a:t>3/14/2025</a:t>
+              <a:t>3/16/2025</a:t>
             </a:fld>
             <a:endParaRPr lang="en-US"/>
           </a:p>
@@ -1825,7 +1825,7 @@
           <a:p>
             <a:fld id="{D4F8CDDA-76F5-4404-BBAB-6DC121586F2B}" type="datetimeFigureOut">
               <a:rPr lang="en-US" smtClean="0"/>
-              <a:t>3/14/2025</a:t>
+              <a:t>3/16/2025</a:t>
             </a:fld>
             <a:endParaRPr lang="en-US"/>
           </a:p>
@@ -1966,7 +1966,7 @@
           <a:p>
             <a:fld id="{D4F8CDDA-76F5-4404-BBAB-6DC121586F2B}" type="datetimeFigureOut">
               <a:rPr lang="en-US" smtClean="0"/>
-              <a:t>3/14/2025</a:t>
+              <a:t>3/16/2025</a:t>
             </a:fld>
             <a:endParaRPr lang="en-US"/>
           </a:p>
@@ -2079,7 +2079,7 @@
           <a:p>
             <a:fld id="{D4F8CDDA-76F5-4404-BBAB-6DC121586F2B}" type="datetimeFigureOut">
               <a:rPr lang="en-US" smtClean="0"/>
-              <a:t>3/14/2025</a:t>
+              <a:t>3/16/2025</a:t>
             </a:fld>
             <a:endParaRPr lang="en-US"/>
           </a:p>
@@ -2390,7 +2390,7 @@
           <a:p>
             <a:fld id="{D4F8CDDA-76F5-4404-BBAB-6DC121586F2B}" type="datetimeFigureOut">
               <a:rPr lang="en-US" smtClean="0"/>
-              <a:t>3/14/2025</a:t>
+              <a:t>3/16/2025</a:t>
             </a:fld>
             <a:endParaRPr lang="en-US"/>
           </a:p>
@@ -2678,7 +2678,7 @@
           <a:p>
             <a:fld id="{D4F8CDDA-76F5-4404-BBAB-6DC121586F2B}" type="datetimeFigureOut">
               <a:rPr lang="en-US" smtClean="0"/>
-              <a:t>3/14/2025</a:t>
+              <a:t>3/16/2025</a:t>
             </a:fld>
             <a:endParaRPr lang="en-US"/>
           </a:p>
@@ -2919,7 +2919,7 @@
           <a:p>
             <a:fld id="{D4F8CDDA-76F5-4404-BBAB-6DC121586F2B}" type="datetimeFigureOut">
               <a:rPr lang="en-US" smtClean="0"/>
-              <a:t>3/14/2025</a:t>
+              <a:t>3/16/2025</a:t>
             </a:fld>
             <a:endParaRPr lang="en-US"/>
           </a:p>
